--- a/ppt 16-9/0784.来到主面前.pptx
+++ b/ppt 16-9/0784.来到主面前.pptx
@@ -129,7 +129,7 @@
           <p:cNvPr id="2" name="标题 1">
             <a:extLst>
               <a:ext uri="{FF2B5EF4-FFF2-40B4-BE49-F238E27FC236}">
-                <a16:creationId xmlns:a16="http://schemas.microsoft.com/office/drawing/2014/main" id="{4EDA52EC-A435-D510-DC63-FB8B8B543707}"/>
+                <a16:creationId xmlns:a16="http://schemas.microsoft.com/office/drawing/2014/main" id="{CB8A376B-4A59-8119-E901-0780D35DA94E}"/>
               </a:ext>
             </a:extLst>
           </p:cNvPr>
@@ -166,7 +166,7 @@
           <p:cNvPr id="3" name="副标题 2">
             <a:extLst>
               <a:ext uri="{FF2B5EF4-FFF2-40B4-BE49-F238E27FC236}">
-                <a16:creationId xmlns:a16="http://schemas.microsoft.com/office/drawing/2014/main" id="{0751E96A-5029-525A-84D1-CA9C57A66D33}"/>
+                <a16:creationId xmlns:a16="http://schemas.microsoft.com/office/drawing/2014/main" id="{7F6111B6-1793-A9B1-BF20-E34F8643B521}"/>
               </a:ext>
             </a:extLst>
           </p:cNvPr>
@@ -236,7 +236,7 @@
           <p:cNvPr id="4" name="日期占位符 3">
             <a:extLst>
               <a:ext uri="{FF2B5EF4-FFF2-40B4-BE49-F238E27FC236}">
-                <a16:creationId xmlns:a16="http://schemas.microsoft.com/office/drawing/2014/main" id="{6691F02E-8D43-C1AA-ED1D-2086B3968E31}"/>
+                <a16:creationId xmlns:a16="http://schemas.microsoft.com/office/drawing/2014/main" id="{85EE37D0-CAD6-14E4-E8FB-E3DDCD741ECA}"/>
               </a:ext>
             </a:extLst>
           </p:cNvPr>
@@ -252,7 +252,7 @@
           <a:bodyPr/>
           <a:lstStyle/>
           <a:p>
-            <a:fld id="{E8CD88C4-AB48-44E2-8D8C-037C9E6CA26B}" type="datetimeFigureOut">
+            <a:fld id="{FE145BEA-6D50-4E75-ADF8-E30791263D20}" type="datetimeFigureOut">
               <a:rPr lang="zh-CN" altLang="en-US" smtClean="0"/>
               <a:t>2024/3/10</a:t>
             </a:fld>
@@ -265,7 +265,7 @@
           <p:cNvPr id="5" name="页脚占位符 4">
             <a:extLst>
               <a:ext uri="{FF2B5EF4-FFF2-40B4-BE49-F238E27FC236}">
-                <a16:creationId xmlns:a16="http://schemas.microsoft.com/office/drawing/2014/main" id="{74974672-1824-94FD-8034-300D6DD80B35}"/>
+                <a16:creationId xmlns:a16="http://schemas.microsoft.com/office/drawing/2014/main" id="{E577AE8D-0F6F-2703-00A7-A2E130172685}"/>
               </a:ext>
             </a:extLst>
           </p:cNvPr>
@@ -290,7 +290,7 @@
           <p:cNvPr id="6" name="灯片编号占位符 5">
             <a:extLst>
               <a:ext uri="{FF2B5EF4-FFF2-40B4-BE49-F238E27FC236}">
-                <a16:creationId xmlns:a16="http://schemas.microsoft.com/office/drawing/2014/main" id="{DD8B65E6-D513-3A93-84F6-79CCFB19A381}"/>
+                <a16:creationId xmlns:a16="http://schemas.microsoft.com/office/drawing/2014/main" id="{DB7BB4B6-F2D5-0EBD-BC63-1EF195E041FA}"/>
               </a:ext>
             </a:extLst>
           </p:cNvPr>
@@ -306,7 +306,7 @@
           <a:bodyPr/>
           <a:lstStyle/>
           <a:p>
-            <a:fld id="{C9210D1C-8CF4-4BEA-BCAC-B48428091B9A}" type="slidenum">
+            <a:fld id="{788E1C16-20F9-41BE-BA53-E2805D2E83A9}" type="slidenum">
               <a:rPr lang="zh-CN" altLang="en-US" smtClean="0"/>
               <a:t>‹#›</a:t>
             </a:fld>
@@ -317,7 +317,7 @@
     </p:spTree>
     <p:extLst>
       <p:ext uri="{BB962C8B-B14F-4D97-AF65-F5344CB8AC3E}">
-        <p14:creationId xmlns:p14="http://schemas.microsoft.com/office/powerpoint/2010/main" val="1867113738"/>
+        <p14:creationId xmlns:p14="http://schemas.microsoft.com/office/powerpoint/2010/main" val="1678458358"/>
       </p:ext>
     </p:extLst>
   </p:cSld>
@@ -349,7 +349,7 @@
           <p:cNvPr id="2" name="标题 1">
             <a:extLst>
               <a:ext uri="{FF2B5EF4-FFF2-40B4-BE49-F238E27FC236}">
-                <a16:creationId xmlns:a16="http://schemas.microsoft.com/office/drawing/2014/main" id="{C743A6B5-85CE-BBA3-6BEC-8262EC2F0A81}"/>
+                <a16:creationId xmlns:a16="http://schemas.microsoft.com/office/drawing/2014/main" id="{1A55AB2F-8C49-CF7E-E85C-0EA6518BDE86}"/>
               </a:ext>
             </a:extLst>
           </p:cNvPr>
@@ -377,7 +377,7 @@
           <p:cNvPr id="3" name="竖排文字占位符 2">
             <a:extLst>
               <a:ext uri="{FF2B5EF4-FFF2-40B4-BE49-F238E27FC236}">
-                <a16:creationId xmlns:a16="http://schemas.microsoft.com/office/drawing/2014/main" id="{5C86E062-82C1-BE98-1A25-D20BE0CB92BA}"/>
+                <a16:creationId xmlns:a16="http://schemas.microsoft.com/office/drawing/2014/main" id="{4CF07C91-92B0-DED6-4C5E-1137F0F047AB}"/>
               </a:ext>
             </a:extLst>
           </p:cNvPr>
@@ -434,7 +434,7 @@
           <p:cNvPr id="4" name="日期占位符 3">
             <a:extLst>
               <a:ext uri="{FF2B5EF4-FFF2-40B4-BE49-F238E27FC236}">
-                <a16:creationId xmlns:a16="http://schemas.microsoft.com/office/drawing/2014/main" id="{63B3E1F6-BC95-E860-9A14-2788576F9857}"/>
+                <a16:creationId xmlns:a16="http://schemas.microsoft.com/office/drawing/2014/main" id="{4B5FA1BD-A874-9896-8ECD-605553B56C5A}"/>
               </a:ext>
             </a:extLst>
           </p:cNvPr>
@@ -450,7 +450,7 @@
           <a:bodyPr/>
           <a:lstStyle/>
           <a:p>
-            <a:fld id="{E8CD88C4-AB48-44E2-8D8C-037C9E6CA26B}" type="datetimeFigureOut">
+            <a:fld id="{FE145BEA-6D50-4E75-ADF8-E30791263D20}" type="datetimeFigureOut">
               <a:rPr lang="zh-CN" altLang="en-US" smtClean="0"/>
               <a:t>2024/3/10</a:t>
             </a:fld>
@@ -463,7 +463,7 @@
           <p:cNvPr id="5" name="页脚占位符 4">
             <a:extLst>
               <a:ext uri="{FF2B5EF4-FFF2-40B4-BE49-F238E27FC236}">
-                <a16:creationId xmlns:a16="http://schemas.microsoft.com/office/drawing/2014/main" id="{1E8C9D4D-D2E5-5E15-AE5D-90A1D9D4EBA4}"/>
+                <a16:creationId xmlns:a16="http://schemas.microsoft.com/office/drawing/2014/main" id="{4E1400FA-C5FB-6447-DC3C-EFEEE8DB48D0}"/>
               </a:ext>
             </a:extLst>
           </p:cNvPr>
@@ -488,7 +488,7 @@
           <p:cNvPr id="6" name="灯片编号占位符 5">
             <a:extLst>
               <a:ext uri="{FF2B5EF4-FFF2-40B4-BE49-F238E27FC236}">
-                <a16:creationId xmlns:a16="http://schemas.microsoft.com/office/drawing/2014/main" id="{56F1EDBF-BABC-5BBD-582A-CE43AB3A07EB}"/>
+                <a16:creationId xmlns:a16="http://schemas.microsoft.com/office/drawing/2014/main" id="{4E60F639-E2F8-FDA6-2F2E-5966A4177C44}"/>
               </a:ext>
             </a:extLst>
           </p:cNvPr>
@@ -504,7 +504,7 @@
           <a:bodyPr/>
           <a:lstStyle/>
           <a:p>
-            <a:fld id="{C9210D1C-8CF4-4BEA-BCAC-B48428091B9A}" type="slidenum">
+            <a:fld id="{788E1C16-20F9-41BE-BA53-E2805D2E83A9}" type="slidenum">
               <a:rPr lang="zh-CN" altLang="en-US" smtClean="0"/>
               <a:t>‹#›</a:t>
             </a:fld>
@@ -515,7 +515,7 @@
     </p:spTree>
     <p:extLst>
       <p:ext uri="{BB962C8B-B14F-4D97-AF65-F5344CB8AC3E}">
-        <p14:creationId xmlns:p14="http://schemas.microsoft.com/office/powerpoint/2010/main" val="3502475424"/>
+        <p14:creationId xmlns:p14="http://schemas.microsoft.com/office/powerpoint/2010/main" val="3037376435"/>
       </p:ext>
     </p:extLst>
   </p:cSld>
@@ -547,7 +547,7 @@
           <p:cNvPr id="2" name="竖排标题 1">
             <a:extLst>
               <a:ext uri="{FF2B5EF4-FFF2-40B4-BE49-F238E27FC236}">
-                <a16:creationId xmlns:a16="http://schemas.microsoft.com/office/drawing/2014/main" id="{6BAD3668-9F67-0660-B1E0-FD75FBEDC6E6}"/>
+                <a16:creationId xmlns:a16="http://schemas.microsoft.com/office/drawing/2014/main" id="{6010B3AB-C9D4-B419-38FC-B60AD1DC2832}"/>
               </a:ext>
             </a:extLst>
           </p:cNvPr>
@@ -580,7 +580,7 @@
           <p:cNvPr id="3" name="竖排文字占位符 2">
             <a:extLst>
               <a:ext uri="{FF2B5EF4-FFF2-40B4-BE49-F238E27FC236}">
-                <a16:creationId xmlns:a16="http://schemas.microsoft.com/office/drawing/2014/main" id="{557EABD3-7A50-FF82-ED74-321D7DA39AC5}"/>
+                <a16:creationId xmlns:a16="http://schemas.microsoft.com/office/drawing/2014/main" id="{93290F08-AAFC-8F0C-10A5-74A2E3078FB6}"/>
               </a:ext>
             </a:extLst>
           </p:cNvPr>
@@ -642,7 +642,7 @@
           <p:cNvPr id="4" name="日期占位符 3">
             <a:extLst>
               <a:ext uri="{FF2B5EF4-FFF2-40B4-BE49-F238E27FC236}">
-                <a16:creationId xmlns:a16="http://schemas.microsoft.com/office/drawing/2014/main" id="{A90DF047-4765-E1F2-3F47-0D3610821E43}"/>
+                <a16:creationId xmlns:a16="http://schemas.microsoft.com/office/drawing/2014/main" id="{A37488EA-A1F3-9832-6A45-432C03B3DF7F}"/>
               </a:ext>
             </a:extLst>
           </p:cNvPr>
@@ -658,7 +658,7 @@
           <a:bodyPr/>
           <a:lstStyle/>
           <a:p>
-            <a:fld id="{E8CD88C4-AB48-44E2-8D8C-037C9E6CA26B}" type="datetimeFigureOut">
+            <a:fld id="{FE145BEA-6D50-4E75-ADF8-E30791263D20}" type="datetimeFigureOut">
               <a:rPr lang="zh-CN" altLang="en-US" smtClean="0"/>
               <a:t>2024/3/10</a:t>
             </a:fld>
@@ -671,7 +671,7 @@
           <p:cNvPr id="5" name="页脚占位符 4">
             <a:extLst>
               <a:ext uri="{FF2B5EF4-FFF2-40B4-BE49-F238E27FC236}">
-                <a16:creationId xmlns:a16="http://schemas.microsoft.com/office/drawing/2014/main" id="{8DA6EAFF-71DD-A2DA-88F5-FA4790EE74BF}"/>
+                <a16:creationId xmlns:a16="http://schemas.microsoft.com/office/drawing/2014/main" id="{827293C1-BB74-DA0E-0AEE-FB9BEF592285}"/>
               </a:ext>
             </a:extLst>
           </p:cNvPr>
@@ -696,7 +696,7 @@
           <p:cNvPr id="6" name="灯片编号占位符 5">
             <a:extLst>
               <a:ext uri="{FF2B5EF4-FFF2-40B4-BE49-F238E27FC236}">
-                <a16:creationId xmlns:a16="http://schemas.microsoft.com/office/drawing/2014/main" id="{F6298C57-3110-3950-24B7-EA01BF259559}"/>
+                <a16:creationId xmlns:a16="http://schemas.microsoft.com/office/drawing/2014/main" id="{86AA3294-07DC-2533-3DF2-9AD5A263A91A}"/>
               </a:ext>
             </a:extLst>
           </p:cNvPr>
@@ -712,7 +712,7 @@
           <a:bodyPr/>
           <a:lstStyle/>
           <a:p>
-            <a:fld id="{C9210D1C-8CF4-4BEA-BCAC-B48428091B9A}" type="slidenum">
+            <a:fld id="{788E1C16-20F9-41BE-BA53-E2805D2E83A9}" type="slidenum">
               <a:rPr lang="zh-CN" altLang="en-US" smtClean="0"/>
               <a:t>‹#›</a:t>
             </a:fld>
@@ -723,7 +723,7 @@
     </p:spTree>
     <p:extLst>
       <p:ext uri="{BB962C8B-B14F-4D97-AF65-F5344CB8AC3E}">
-        <p14:creationId xmlns:p14="http://schemas.microsoft.com/office/powerpoint/2010/main" val="2474653932"/>
+        <p14:creationId xmlns:p14="http://schemas.microsoft.com/office/powerpoint/2010/main" val="3278811977"/>
       </p:ext>
     </p:extLst>
   </p:cSld>
@@ -755,7 +755,7 @@
           <p:cNvPr id="2" name="标题 1">
             <a:extLst>
               <a:ext uri="{FF2B5EF4-FFF2-40B4-BE49-F238E27FC236}">
-                <a16:creationId xmlns:a16="http://schemas.microsoft.com/office/drawing/2014/main" id="{7467C836-E414-5A90-C138-89EB6F451FB0}"/>
+                <a16:creationId xmlns:a16="http://schemas.microsoft.com/office/drawing/2014/main" id="{16504C15-BE1A-A939-5CF2-667E1720DDB5}"/>
               </a:ext>
             </a:extLst>
           </p:cNvPr>
@@ -783,7 +783,7 @@
           <p:cNvPr id="3" name="内容占位符 2">
             <a:extLst>
               <a:ext uri="{FF2B5EF4-FFF2-40B4-BE49-F238E27FC236}">
-                <a16:creationId xmlns:a16="http://schemas.microsoft.com/office/drawing/2014/main" id="{B5F33ABD-0FB3-2D77-AEEF-744D29527597}"/>
+                <a16:creationId xmlns:a16="http://schemas.microsoft.com/office/drawing/2014/main" id="{A6F63B15-DF15-48D6-0B6F-603098A7A321}"/>
               </a:ext>
             </a:extLst>
           </p:cNvPr>
@@ -840,7 +840,7 @@
           <p:cNvPr id="4" name="日期占位符 3">
             <a:extLst>
               <a:ext uri="{FF2B5EF4-FFF2-40B4-BE49-F238E27FC236}">
-                <a16:creationId xmlns:a16="http://schemas.microsoft.com/office/drawing/2014/main" id="{6D9EF855-C52C-69C9-A44B-9BC316FD0579}"/>
+                <a16:creationId xmlns:a16="http://schemas.microsoft.com/office/drawing/2014/main" id="{ADBB9D4F-4AEF-F88C-EF02-2D888D76324A}"/>
               </a:ext>
             </a:extLst>
           </p:cNvPr>
@@ -856,7 +856,7 @@
           <a:bodyPr/>
           <a:lstStyle/>
           <a:p>
-            <a:fld id="{E8CD88C4-AB48-44E2-8D8C-037C9E6CA26B}" type="datetimeFigureOut">
+            <a:fld id="{FE145BEA-6D50-4E75-ADF8-E30791263D20}" type="datetimeFigureOut">
               <a:rPr lang="zh-CN" altLang="en-US" smtClean="0"/>
               <a:t>2024/3/10</a:t>
             </a:fld>
@@ -869,7 +869,7 @@
           <p:cNvPr id="5" name="页脚占位符 4">
             <a:extLst>
               <a:ext uri="{FF2B5EF4-FFF2-40B4-BE49-F238E27FC236}">
-                <a16:creationId xmlns:a16="http://schemas.microsoft.com/office/drawing/2014/main" id="{ABEFC22F-3DC7-B1E8-3816-F441F823639C}"/>
+                <a16:creationId xmlns:a16="http://schemas.microsoft.com/office/drawing/2014/main" id="{9F437604-E2B2-46CD-AB71-31F707C556C6}"/>
               </a:ext>
             </a:extLst>
           </p:cNvPr>
@@ -894,7 +894,7 @@
           <p:cNvPr id="6" name="灯片编号占位符 5">
             <a:extLst>
               <a:ext uri="{FF2B5EF4-FFF2-40B4-BE49-F238E27FC236}">
-                <a16:creationId xmlns:a16="http://schemas.microsoft.com/office/drawing/2014/main" id="{E8FF18A2-4370-245E-137F-FBBEFBA80BDF}"/>
+                <a16:creationId xmlns:a16="http://schemas.microsoft.com/office/drawing/2014/main" id="{960E49CF-41FB-5D18-D855-9937FA89B2A3}"/>
               </a:ext>
             </a:extLst>
           </p:cNvPr>
@@ -910,7 +910,7 @@
           <a:bodyPr/>
           <a:lstStyle/>
           <a:p>
-            <a:fld id="{C9210D1C-8CF4-4BEA-BCAC-B48428091B9A}" type="slidenum">
+            <a:fld id="{788E1C16-20F9-41BE-BA53-E2805D2E83A9}" type="slidenum">
               <a:rPr lang="zh-CN" altLang="en-US" smtClean="0"/>
               <a:t>‹#›</a:t>
             </a:fld>
@@ -921,7 +921,7 @@
     </p:spTree>
     <p:extLst>
       <p:ext uri="{BB962C8B-B14F-4D97-AF65-F5344CB8AC3E}">
-        <p14:creationId xmlns:p14="http://schemas.microsoft.com/office/powerpoint/2010/main" val="172877639"/>
+        <p14:creationId xmlns:p14="http://schemas.microsoft.com/office/powerpoint/2010/main" val="4202596414"/>
       </p:ext>
     </p:extLst>
   </p:cSld>
@@ -953,7 +953,7 @@
           <p:cNvPr id="2" name="标题 1">
             <a:extLst>
               <a:ext uri="{FF2B5EF4-FFF2-40B4-BE49-F238E27FC236}">
-                <a16:creationId xmlns:a16="http://schemas.microsoft.com/office/drawing/2014/main" id="{82DADB32-46D2-9C9C-63E1-A77F9DA066FE}"/>
+                <a16:creationId xmlns:a16="http://schemas.microsoft.com/office/drawing/2014/main" id="{AE4B44C1-F4A8-A23D-0A9C-920066563ECD}"/>
               </a:ext>
             </a:extLst>
           </p:cNvPr>
@@ -990,7 +990,7 @@
           <p:cNvPr id="3" name="文本占位符 2">
             <a:extLst>
               <a:ext uri="{FF2B5EF4-FFF2-40B4-BE49-F238E27FC236}">
-                <a16:creationId xmlns:a16="http://schemas.microsoft.com/office/drawing/2014/main" id="{066F5CA1-291C-9066-5F62-5C3BE0DF2397}"/>
+                <a16:creationId xmlns:a16="http://schemas.microsoft.com/office/drawing/2014/main" id="{14F37B42-C19A-D9C6-5176-F6508C7FA04F}"/>
               </a:ext>
             </a:extLst>
           </p:cNvPr>
@@ -1115,7 +1115,7 @@
           <p:cNvPr id="4" name="日期占位符 3">
             <a:extLst>
               <a:ext uri="{FF2B5EF4-FFF2-40B4-BE49-F238E27FC236}">
-                <a16:creationId xmlns:a16="http://schemas.microsoft.com/office/drawing/2014/main" id="{783C2553-EBD3-474B-61CF-EC06A696C1D7}"/>
+                <a16:creationId xmlns:a16="http://schemas.microsoft.com/office/drawing/2014/main" id="{9B498FDE-E3FD-59F3-C58E-A0513784D684}"/>
               </a:ext>
             </a:extLst>
           </p:cNvPr>
@@ -1131,7 +1131,7 @@
           <a:bodyPr/>
           <a:lstStyle/>
           <a:p>
-            <a:fld id="{E8CD88C4-AB48-44E2-8D8C-037C9E6CA26B}" type="datetimeFigureOut">
+            <a:fld id="{FE145BEA-6D50-4E75-ADF8-E30791263D20}" type="datetimeFigureOut">
               <a:rPr lang="zh-CN" altLang="en-US" smtClean="0"/>
               <a:t>2024/3/10</a:t>
             </a:fld>
@@ -1144,7 +1144,7 @@
           <p:cNvPr id="5" name="页脚占位符 4">
             <a:extLst>
               <a:ext uri="{FF2B5EF4-FFF2-40B4-BE49-F238E27FC236}">
-                <a16:creationId xmlns:a16="http://schemas.microsoft.com/office/drawing/2014/main" id="{0C7A8B69-5237-D075-814A-305DF3296562}"/>
+                <a16:creationId xmlns:a16="http://schemas.microsoft.com/office/drawing/2014/main" id="{13F29C67-F3DD-6391-03A6-1922323D59BF}"/>
               </a:ext>
             </a:extLst>
           </p:cNvPr>
@@ -1169,7 +1169,7 @@
           <p:cNvPr id="6" name="灯片编号占位符 5">
             <a:extLst>
               <a:ext uri="{FF2B5EF4-FFF2-40B4-BE49-F238E27FC236}">
-                <a16:creationId xmlns:a16="http://schemas.microsoft.com/office/drawing/2014/main" id="{DE40A873-F10D-F5CE-257A-3C0BFC8353E1}"/>
+                <a16:creationId xmlns:a16="http://schemas.microsoft.com/office/drawing/2014/main" id="{27952528-CB38-2844-3423-75A318DF01CA}"/>
               </a:ext>
             </a:extLst>
           </p:cNvPr>
@@ -1185,7 +1185,7 @@
           <a:bodyPr/>
           <a:lstStyle/>
           <a:p>
-            <a:fld id="{C9210D1C-8CF4-4BEA-BCAC-B48428091B9A}" type="slidenum">
+            <a:fld id="{788E1C16-20F9-41BE-BA53-E2805D2E83A9}" type="slidenum">
               <a:rPr lang="zh-CN" altLang="en-US" smtClean="0"/>
               <a:t>‹#›</a:t>
             </a:fld>
@@ -1196,7 +1196,7 @@
     </p:spTree>
     <p:extLst>
       <p:ext uri="{BB962C8B-B14F-4D97-AF65-F5344CB8AC3E}">
-        <p14:creationId xmlns:p14="http://schemas.microsoft.com/office/powerpoint/2010/main" val="1608779015"/>
+        <p14:creationId xmlns:p14="http://schemas.microsoft.com/office/powerpoint/2010/main" val="2739258326"/>
       </p:ext>
     </p:extLst>
   </p:cSld>
@@ -1228,7 +1228,7 @@
           <p:cNvPr id="2" name="标题 1">
             <a:extLst>
               <a:ext uri="{FF2B5EF4-FFF2-40B4-BE49-F238E27FC236}">
-                <a16:creationId xmlns:a16="http://schemas.microsoft.com/office/drawing/2014/main" id="{8FCD7E20-3938-F21F-59E3-42940A07D545}"/>
+                <a16:creationId xmlns:a16="http://schemas.microsoft.com/office/drawing/2014/main" id="{2986E6A0-F33D-2725-684B-788B5FDEC536}"/>
               </a:ext>
             </a:extLst>
           </p:cNvPr>
@@ -1256,7 +1256,7 @@
           <p:cNvPr id="3" name="内容占位符 2">
             <a:extLst>
               <a:ext uri="{FF2B5EF4-FFF2-40B4-BE49-F238E27FC236}">
-                <a16:creationId xmlns:a16="http://schemas.microsoft.com/office/drawing/2014/main" id="{0D58D6F5-2628-FD95-5C64-4191081743CB}"/>
+                <a16:creationId xmlns:a16="http://schemas.microsoft.com/office/drawing/2014/main" id="{A4BE1A7B-AFC6-3977-B316-7711B63F99B2}"/>
               </a:ext>
             </a:extLst>
           </p:cNvPr>
@@ -1318,7 +1318,7 @@
           <p:cNvPr id="4" name="内容占位符 3">
             <a:extLst>
               <a:ext uri="{FF2B5EF4-FFF2-40B4-BE49-F238E27FC236}">
-                <a16:creationId xmlns:a16="http://schemas.microsoft.com/office/drawing/2014/main" id="{DE97E211-C2A9-ABAA-D861-B7A8DDB7EEDE}"/>
+                <a16:creationId xmlns:a16="http://schemas.microsoft.com/office/drawing/2014/main" id="{3157472C-C04D-03AA-8335-394D438B64FB}"/>
               </a:ext>
             </a:extLst>
           </p:cNvPr>
@@ -1380,7 +1380,7 @@
           <p:cNvPr id="5" name="日期占位符 4">
             <a:extLst>
               <a:ext uri="{FF2B5EF4-FFF2-40B4-BE49-F238E27FC236}">
-                <a16:creationId xmlns:a16="http://schemas.microsoft.com/office/drawing/2014/main" id="{48F69A03-3BFF-2FA2-E404-2FEF0A1AC369}"/>
+                <a16:creationId xmlns:a16="http://schemas.microsoft.com/office/drawing/2014/main" id="{D0E357F3-4D30-71E6-41DA-A18F03E3F0AB}"/>
               </a:ext>
             </a:extLst>
           </p:cNvPr>
@@ -1396,7 +1396,7 @@
           <a:bodyPr/>
           <a:lstStyle/>
           <a:p>
-            <a:fld id="{E8CD88C4-AB48-44E2-8D8C-037C9E6CA26B}" type="datetimeFigureOut">
+            <a:fld id="{FE145BEA-6D50-4E75-ADF8-E30791263D20}" type="datetimeFigureOut">
               <a:rPr lang="zh-CN" altLang="en-US" smtClean="0"/>
               <a:t>2024/3/10</a:t>
             </a:fld>
@@ -1409,7 +1409,7 @@
           <p:cNvPr id="6" name="页脚占位符 5">
             <a:extLst>
               <a:ext uri="{FF2B5EF4-FFF2-40B4-BE49-F238E27FC236}">
-                <a16:creationId xmlns:a16="http://schemas.microsoft.com/office/drawing/2014/main" id="{3445269D-51C5-437F-1F97-780F54A22E95}"/>
+                <a16:creationId xmlns:a16="http://schemas.microsoft.com/office/drawing/2014/main" id="{87976343-0027-DB0C-D367-DFB561938CA9}"/>
               </a:ext>
             </a:extLst>
           </p:cNvPr>
@@ -1434,7 +1434,7 @@
           <p:cNvPr id="7" name="灯片编号占位符 6">
             <a:extLst>
               <a:ext uri="{FF2B5EF4-FFF2-40B4-BE49-F238E27FC236}">
-                <a16:creationId xmlns:a16="http://schemas.microsoft.com/office/drawing/2014/main" id="{E2D7E3D0-D0D3-0758-DD80-42D74D0AEE61}"/>
+                <a16:creationId xmlns:a16="http://schemas.microsoft.com/office/drawing/2014/main" id="{6B53347E-F0F4-ED73-E92C-8DD3CC4058E0}"/>
               </a:ext>
             </a:extLst>
           </p:cNvPr>
@@ -1450,7 +1450,7 @@
           <a:bodyPr/>
           <a:lstStyle/>
           <a:p>
-            <a:fld id="{C9210D1C-8CF4-4BEA-BCAC-B48428091B9A}" type="slidenum">
+            <a:fld id="{788E1C16-20F9-41BE-BA53-E2805D2E83A9}" type="slidenum">
               <a:rPr lang="zh-CN" altLang="en-US" smtClean="0"/>
               <a:t>‹#›</a:t>
             </a:fld>
@@ -1461,7 +1461,7 @@
     </p:spTree>
     <p:extLst>
       <p:ext uri="{BB962C8B-B14F-4D97-AF65-F5344CB8AC3E}">
-        <p14:creationId xmlns:p14="http://schemas.microsoft.com/office/powerpoint/2010/main" val="2316493261"/>
+        <p14:creationId xmlns:p14="http://schemas.microsoft.com/office/powerpoint/2010/main" val="742574710"/>
       </p:ext>
     </p:extLst>
   </p:cSld>
@@ -1493,7 +1493,7 @@
           <p:cNvPr id="2" name="标题 1">
             <a:extLst>
               <a:ext uri="{FF2B5EF4-FFF2-40B4-BE49-F238E27FC236}">
-                <a16:creationId xmlns:a16="http://schemas.microsoft.com/office/drawing/2014/main" id="{9BB98C2A-E4CA-03A4-03AD-CFD9B7A1746F}"/>
+                <a16:creationId xmlns:a16="http://schemas.microsoft.com/office/drawing/2014/main" id="{12E1763E-6738-FC89-6AE2-ED1D2C4320F7}"/>
               </a:ext>
             </a:extLst>
           </p:cNvPr>
@@ -1526,7 +1526,7 @@
           <p:cNvPr id="3" name="文本占位符 2">
             <a:extLst>
               <a:ext uri="{FF2B5EF4-FFF2-40B4-BE49-F238E27FC236}">
-                <a16:creationId xmlns:a16="http://schemas.microsoft.com/office/drawing/2014/main" id="{ACF8079C-1C32-CF53-DC7E-E2350AC35A45}"/>
+                <a16:creationId xmlns:a16="http://schemas.microsoft.com/office/drawing/2014/main" id="{3898476A-738A-335E-E0E6-1FF200658C4C}"/>
               </a:ext>
             </a:extLst>
           </p:cNvPr>
@@ -1597,7 +1597,7 @@
           <p:cNvPr id="4" name="内容占位符 3">
             <a:extLst>
               <a:ext uri="{FF2B5EF4-FFF2-40B4-BE49-F238E27FC236}">
-                <a16:creationId xmlns:a16="http://schemas.microsoft.com/office/drawing/2014/main" id="{E19988D8-46AC-EEF0-4A2C-CD299927B2F0}"/>
+                <a16:creationId xmlns:a16="http://schemas.microsoft.com/office/drawing/2014/main" id="{F98529BC-ADC4-B56D-5B3D-C91DF60E023B}"/>
               </a:ext>
             </a:extLst>
           </p:cNvPr>
@@ -1659,7 +1659,7 @@
           <p:cNvPr id="5" name="文本占位符 4">
             <a:extLst>
               <a:ext uri="{FF2B5EF4-FFF2-40B4-BE49-F238E27FC236}">
-                <a16:creationId xmlns:a16="http://schemas.microsoft.com/office/drawing/2014/main" id="{9815EBAE-4F5F-841A-0697-94C88A7BB649}"/>
+                <a16:creationId xmlns:a16="http://schemas.microsoft.com/office/drawing/2014/main" id="{45949785-FB71-FB92-B692-1EE7304F7B29}"/>
               </a:ext>
             </a:extLst>
           </p:cNvPr>
@@ -1730,7 +1730,7 @@
           <p:cNvPr id="6" name="内容占位符 5">
             <a:extLst>
               <a:ext uri="{FF2B5EF4-FFF2-40B4-BE49-F238E27FC236}">
-                <a16:creationId xmlns:a16="http://schemas.microsoft.com/office/drawing/2014/main" id="{AEE54DFB-5D85-BE98-A815-A6AA99565C7F}"/>
+                <a16:creationId xmlns:a16="http://schemas.microsoft.com/office/drawing/2014/main" id="{196E2FF0-FA71-3475-4C16-B7385613454B}"/>
               </a:ext>
             </a:extLst>
           </p:cNvPr>
@@ -1792,7 +1792,7 @@
           <p:cNvPr id="7" name="日期占位符 6">
             <a:extLst>
               <a:ext uri="{FF2B5EF4-FFF2-40B4-BE49-F238E27FC236}">
-                <a16:creationId xmlns:a16="http://schemas.microsoft.com/office/drawing/2014/main" id="{51561FA3-1A8A-9244-0393-AC2496ABDAF4}"/>
+                <a16:creationId xmlns:a16="http://schemas.microsoft.com/office/drawing/2014/main" id="{46462C14-64D6-A301-EBFB-CDBAF8358F0B}"/>
               </a:ext>
             </a:extLst>
           </p:cNvPr>
@@ -1808,7 +1808,7 @@
           <a:bodyPr/>
           <a:lstStyle/>
           <a:p>
-            <a:fld id="{E8CD88C4-AB48-44E2-8D8C-037C9E6CA26B}" type="datetimeFigureOut">
+            <a:fld id="{FE145BEA-6D50-4E75-ADF8-E30791263D20}" type="datetimeFigureOut">
               <a:rPr lang="zh-CN" altLang="en-US" smtClean="0"/>
               <a:t>2024/3/10</a:t>
             </a:fld>
@@ -1821,7 +1821,7 @@
           <p:cNvPr id="8" name="页脚占位符 7">
             <a:extLst>
               <a:ext uri="{FF2B5EF4-FFF2-40B4-BE49-F238E27FC236}">
-                <a16:creationId xmlns:a16="http://schemas.microsoft.com/office/drawing/2014/main" id="{F63F72AF-C191-9BC9-F422-39FC4084C1D9}"/>
+                <a16:creationId xmlns:a16="http://schemas.microsoft.com/office/drawing/2014/main" id="{4C3064F1-1913-DFBD-CFF4-C1649B5A3BB2}"/>
               </a:ext>
             </a:extLst>
           </p:cNvPr>
@@ -1846,7 +1846,7 @@
           <p:cNvPr id="9" name="灯片编号占位符 8">
             <a:extLst>
               <a:ext uri="{FF2B5EF4-FFF2-40B4-BE49-F238E27FC236}">
-                <a16:creationId xmlns:a16="http://schemas.microsoft.com/office/drawing/2014/main" id="{54997C1B-7068-0AB2-CA9D-BB6064AEEB88}"/>
+                <a16:creationId xmlns:a16="http://schemas.microsoft.com/office/drawing/2014/main" id="{308C1594-01A2-CCB5-52ED-CC886C465473}"/>
               </a:ext>
             </a:extLst>
           </p:cNvPr>
@@ -1862,7 +1862,7 @@
           <a:bodyPr/>
           <a:lstStyle/>
           <a:p>
-            <a:fld id="{C9210D1C-8CF4-4BEA-BCAC-B48428091B9A}" type="slidenum">
+            <a:fld id="{788E1C16-20F9-41BE-BA53-E2805D2E83A9}" type="slidenum">
               <a:rPr lang="zh-CN" altLang="en-US" smtClean="0"/>
               <a:t>‹#›</a:t>
             </a:fld>
@@ -1873,7 +1873,7 @@
     </p:spTree>
     <p:extLst>
       <p:ext uri="{BB962C8B-B14F-4D97-AF65-F5344CB8AC3E}">
-        <p14:creationId xmlns:p14="http://schemas.microsoft.com/office/powerpoint/2010/main" val="1293417205"/>
+        <p14:creationId xmlns:p14="http://schemas.microsoft.com/office/powerpoint/2010/main" val="2423093993"/>
       </p:ext>
     </p:extLst>
   </p:cSld>
@@ -1905,7 +1905,7 @@
           <p:cNvPr id="2" name="标题 1">
             <a:extLst>
               <a:ext uri="{FF2B5EF4-FFF2-40B4-BE49-F238E27FC236}">
-                <a16:creationId xmlns:a16="http://schemas.microsoft.com/office/drawing/2014/main" id="{90283714-1729-CEF8-E49C-017682D920B6}"/>
+                <a16:creationId xmlns:a16="http://schemas.microsoft.com/office/drawing/2014/main" id="{D662F5C4-AFE9-6826-CB96-EB5C05FE969A}"/>
               </a:ext>
             </a:extLst>
           </p:cNvPr>
@@ -1933,7 +1933,7 @@
           <p:cNvPr id="3" name="日期占位符 2">
             <a:extLst>
               <a:ext uri="{FF2B5EF4-FFF2-40B4-BE49-F238E27FC236}">
-                <a16:creationId xmlns:a16="http://schemas.microsoft.com/office/drawing/2014/main" id="{CD2800AE-CD88-6BCD-574D-F19858B58D81}"/>
+                <a16:creationId xmlns:a16="http://schemas.microsoft.com/office/drawing/2014/main" id="{6E82C967-4B6C-A6CF-ECBB-68BD520929CB}"/>
               </a:ext>
             </a:extLst>
           </p:cNvPr>
@@ -1949,7 +1949,7 @@
           <a:bodyPr/>
           <a:lstStyle/>
           <a:p>
-            <a:fld id="{E8CD88C4-AB48-44E2-8D8C-037C9E6CA26B}" type="datetimeFigureOut">
+            <a:fld id="{FE145BEA-6D50-4E75-ADF8-E30791263D20}" type="datetimeFigureOut">
               <a:rPr lang="zh-CN" altLang="en-US" smtClean="0"/>
               <a:t>2024/3/10</a:t>
             </a:fld>
@@ -1962,7 +1962,7 @@
           <p:cNvPr id="4" name="页脚占位符 3">
             <a:extLst>
               <a:ext uri="{FF2B5EF4-FFF2-40B4-BE49-F238E27FC236}">
-                <a16:creationId xmlns:a16="http://schemas.microsoft.com/office/drawing/2014/main" id="{C6B5737B-AF99-53C0-880C-F570B44857A5}"/>
+                <a16:creationId xmlns:a16="http://schemas.microsoft.com/office/drawing/2014/main" id="{17B8696D-38D8-ED22-F4DE-BD329312AD8B}"/>
               </a:ext>
             </a:extLst>
           </p:cNvPr>
@@ -1987,7 +1987,7 @@
           <p:cNvPr id="5" name="灯片编号占位符 4">
             <a:extLst>
               <a:ext uri="{FF2B5EF4-FFF2-40B4-BE49-F238E27FC236}">
-                <a16:creationId xmlns:a16="http://schemas.microsoft.com/office/drawing/2014/main" id="{E0D3D17C-C03B-CDEE-4458-748D6C176573}"/>
+                <a16:creationId xmlns:a16="http://schemas.microsoft.com/office/drawing/2014/main" id="{4B70AE36-7D3D-7979-3308-C50664A34567}"/>
               </a:ext>
             </a:extLst>
           </p:cNvPr>
@@ -2003,7 +2003,7 @@
           <a:bodyPr/>
           <a:lstStyle/>
           <a:p>
-            <a:fld id="{C9210D1C-8CF4-4BEA-BCAC-B48428091B9A}" type="slidenum">
+            <a:fld id="{788E1C16-20F9-41BE-BA53-E2805D2E83A9}" type="slidenum">
               <a:rPr lang="zh-CN" altLang="en-US" smtClean="0"/>
               <a:t>‹#›</a:t>
             </a:fld>
@@ -2014,7 +2014,7 @@
     </p:spTree>
     <p:extLst>
       <p:ext uri="{BB962C8B-B14F-4D97-AF65-F5344CB8AC3E}">
-        <p14:creationId xmlns:p14="http://schemas.microsoft.com/office/powerpoint/2010/main" val="3360684882"/>
+        <p14:creationId xmlns:p14="http://schemas.microsoft.com/office/powerpoint/2010/main" val="2952338325"/>
       </p:ext>
     </p:extLst>
   </p:cSld>
@@ -2046,7 +2046,7 @@
           <p:cNvPr id="2" name="日期占位符 1">
             <a:extLst>
               <a:ext uri="{FF2B5EF4-FFF2-40B4-BE49-F238E27FC236}">
-                <a16:creationId xmlns:a16="http://schemas.microsoft.com/office/drawing/2014/main" id="{0F7FE74B-A0C1-A701-0F06-24BCD44D368C}"/>
+                <a16:creationId xmlns:a16="http://schemas.microsoft.com/office/drawing/2014/main" id="{8E6D69B3-79F2-F07F-7FD6-D7DD35F1C928}"/>
               </a:ext>
             </a:extLst>
           </p:cNvPr>
@@ -2062,7 +2062,7 @@
           <a:bodyPr/>
           <a:lstStyle/>
           <a:p>
-            <a:fld id="{E8CD88C4-AB48-44E2-8D8C-037C9E6CA26B}" type="datetimeFigureOut">
+            <a:fld id="{FE145BEA-6D50-4E75-ADF8-E30791263D20}" type="datetimeFigureOut">
               <a:rPr lang="zh-CN" altLang="en-US" smtClean="0"/>
               <a:t>2024/3/10</a:t>
             </a:fld>
@@ -2075,7 +2075,7 @@
           <p:cNvPr id="3" name="页脚占位符 2">
             <a:extLst>
               <a:ext uri="{FF2B5EF4-FFF2-40B4-BE49-F238E27FC236}">
-                <a16:creationId xmlns:a16="http://schemas.microsoft.com/office/drawing/2014/main" id="{366DCC42-D529-CC47-8968-D9F11081EACE}"/>
+                <a16:creationId xmlns:a16="http://schemas.microsoft.com/office/drawing/2014/main" id="{DC84FBDA-DCD7-EBAD-A420-19D657715B3F}"/>
               </a:ext>
             </a:extLst>
           </p:cNvPr>
@@ -2100,7 +2100,7 @@
           <p:cNvPr id="4" name="灯片编号占位符 3">
             <a:extLst>
               <a:ext uri="{FF2B5EF4-FFF2-40B4-BE49-F238E27FC236}">
-                <a16:creationId xmlns:a16="http://schemas.microsoft.com/office/drawing/2014/main" id="{65F7BCB2-F454-DE7B-2D3E-46324C6D7D99}"/>
+                <a16:creationId xmlns:a16="http://schemas.microsoft.com/office/drawing/2014/main" id="{2311D281-2ABD-AB43-A6E0-25E9B3D8130A}"/>
               </a:ext>
             </a:extLst>
           </p:cNvPr>
@@ -2116,7 +2116,7 @@
           <a:bodyPr/>
           <a:lstStyle/>
           <a:p>
-            <a:fld id="{C9210D1C-8CF4-4BEA-BCAC-B48428091B9A}" type="slidenum">
+            <a:fld id="{788E1C16-20F9-41BE-BA53-E2805D2E83A9}" type="slidenum">
               <a:rPr lang="zh-CN" altLang="en-US" smtClean="0"/>
               <a:t>‹#›</a:t>
             </a:fld>
@@ -2127,7 +2127,7 @@
     </p:spTree>
     <p:extLst>
       <p:ext uri="{BB962C8B-B14F-4D97-AF65-F5344CB8AC3E}">
-        <p14:creationId xmlns:p14="http://schemas.microsoft.com/office/powerpoint/2010/main" val="4098236111"/>
+        <p14:creationId xmlns:p14="http://schemas.microsoft.com/office/powerpoint/2010/main" val="2490772211"/>
       </p:ext>
     </p:extLst>
   </p:cSld>
@@ -2159,7 +2159,7 @@
           <p:cNvPr id="2" name="标题 1">
             <a:extLst>
               <a:ext uri="{FF2B5EF4-FFF2-40B4-BE49-F238E27FC236}">
-                <a16:creationId xmlns:a16="http://schemas.microsoft.com/office/drawing/2014/main" id="{B97854AD-F58B-0650-BE70-91DD06257542}"/>
+                <a16:creationId xmlns:a16="http://schemas.microsoft.com/office/drawing/2014/main" id="{0F010C3B-12A1-8146-0F7C-C6FDB1BEDFE4}"/>
               </a:ext>
             </a:extLst>
           </p:cNvPr>
@@ -2196,7 +2196,7 @@
           <p:cNvPr id="3" name="内容占位符 2">
             <a:extLst>
               <a:ext uri="{FF2B5EF4-FFF2-40B4-BE49-F238E27FC236}">
-                <a16:creationId xmlns:a16="http://schemas.microsoft.com/office/drawing/2014/main" id="{AAB7A207-F3F0-64C6-EB21-52F321EDCB49}"/>
+                <a16:creationId xmlns:a16="http://schemas.microsoft.com/office/drawing/2014/main" id="{8188A715-7D50-0C6A-64E5-D9C8700515F1}"/>
               </a:ext>
             </a:extLst>
           </p:cNvPr>
@@ -2286,7 +2286,7 @@
           <p:cNvPr id="4" name="文本占位符 3">
             <a:extLst>
               <a:ext uri="{FF2B5EF4-FFF2-40B4-BE49-F238E27FC236}">
-                <a16:creationId xmlns:a16="http://schemas.microsoft.com/office/drawing/2014/main" id="{1D97D7A1-6F60-A41B-3FB3-EB41407D98BF}"/>
+                <a16:creationId xmlns:a16="http://schemas.microsoft.com/office/drawing/2014/main" id="{B17E4158-278F-F866-FE27-86734C4BB88E}"/>
               </a:ext>
             </a:extLst>
           </p:cNvPr>
@@ -2357,7 +2357,7 @@
           <p:cNvPr id="5" name="日期占位符 4">
             <a:extLst>
               <a:ext uri="{FF2B5EF4-FFF2-40B4-BE49-F238E27FC236}">
-                <a16:creationId xmlns:a16="http://schemas.microsoft.com/office/drawing/2014/main" id="{5D213920-87B8-C0F7-4B29-EF6AA99A9AE6}"/>
+                <a16:creationId xmlns:a16="http://schemas.microsoft.com/office/drawing/2014/main" id="{AC85B5C4-B885-E41D-868A-BC4E3FF4461D}"/>
               </a:ext>
             </a:extLst>
           </p:cNvPr>
@@ -2373,7 +2373,7 @@
           <a:bodyPr/>
           <a:lstStyle/>
           <a:p>
-            <a:fld id="{E8CD88C4-AB48-44E2-8D8C-037C9E6CA26B}" type="datetimeFigureOut">
+            <a:fld id="{FE145BEA-6D50-4E75-ADF8-E30791263D20}" type="datetimeFigureOut">
               <a:rPr lang="zh-CN" altLang="en-US" smtClean="0"/>
               <a:t>2024/3/10</a:t>
             </a:fld>
@@ -2386,7 +2386,7 @@
           <p:cNvPr id="6" name="页脚占位符 5">
             <a:extLst>
               <a:ext uri="{FF2B5EF4-FFF2-40B4-BE49-F238E27FC236}">
-                <a16:creationId xmlns:a16="http://schemas.microsoft.com/office/drawing/2014/main" id="{1CBDC3A2-C184-8A85-D250-F3EA281DF5FE}"/>
+                <a16:creationId xmlns:a16="http://schemas.microsoft.com/office/drawing/2014/main" id="{AFAC5518-0D11-320A-BA8E-19D7E850CDBC}"/>
               </a:ext>
             </a:extLst>
           </p:cNvPr>
@@ -2411,7 +2411,7 @@
           <p:cNvPr id="7" name="灯片编号占位符 6">
             <a:extLst>
               <a:ext uri="{FF2B5EF4-FFF2-40B4-BE49-F238E27FC236}">
-                <a16:creationId xmlns:a16="http://schemas.microsoft.com/office/drawing/2014/main" id="{218793E8-EE34-5128-7C95-38460323070C}"/>
+                <a16:creationId xmlns:a16="http://schemas.microsoft.com/office/drawing/2014/main" id="{04D17F0F-9242-530E-655F-A6320F71B64A}"/>
               </a:ext>
             </a:extLst>
           </p:cNvPr>
@@ -2427,7 +2427,7 @@
           <a:bodyPr/>
           <a:lstStyle/>
           <a:p>
-            <a:fld id="{C9210D1C-8CF4-4BEA-BCAC-B48428091B9A}" type="slidenum">
+            <a:fld id="{788E1C16-20F9-41BE-BA53-E2805D2E83A9}" type="slidenum">
               <a:rPr lang="zh-CN" altLang="en-US" smtClean="0"/>
               <a:t>‹#›</a:t>
             </a:fld>
@@ -2438,7 +2438,7 @@
     </p:spTree>
     <p:extLst>
       <p:ext uri="{BB962C8B-B14F-4D97-AF65-F5344CB8AC3E}">
-        <p14:creationId xmlns:p14="http://schemas.microsoft.com/office/powerpoint/2010/main" val="3644014408"/>
+        <p14:creationId xmlns:p14="http://schemas.microsoft.com/office/powerpoint/2010/main" val="2123841303"/>
       </p:ext>
     </p:extLst>
   </p:cSld>
@@ -2470,7 +2470,7 @@
           <p:cNvPr id="2" name="标题 1">
             <a:extLst>
               <a:ext uri="{FF2B5EF4-FFF2-40B4-BE49-F238E27FC236}">
-                <a16:creationId xmlns:a16="http://schemas.microsoft.com/office/drawing/2014/main" id="{7BCA5A3E-C0AD-8C88-B775-61907008A8FE}"/>
+                <a16:creationId xmlns:a16="http://schemas.microsoft.com/office/drawing/2014/main" id="{89B1A8F6-CA20-6DE2-AF00-D427448B17EC}"/>
               </a:ext>
             </a:extLst>
           </p:cNvPr>
@@ -2507,7 +2507,7 @@
           <p:cNvPr id="3" name="图片占位符 2">
             <a:extLst>
               <a:ext uri="{FF2B5EF4-FFF2-40B4-BE49-F238E27FC236}">
-                <a16:creationId xmlns:a16="http://schemas.microsoft.com/office/drawing/2014/main" id="{EA6A28C5-0AA9-28BD-54E4-5A1262478FA0}"/>
+                <a16:creationId xmlns:a16="http://schemas.microsoft.com/office/drawing/2014/main" id="{14229625-5E14-36DF-D128-C4F9A71992E9}"/>
               </a:ext>
             </a:extLst>
           </p:cNvPr>
@@ -2574,7 +2574,7 @@
           <p:cNvPr id="4" name="文本占位符 3">
             <a:extLst>
               <a:ext uri="{FF2B5EF4-FFF2-40B4-BE49-F238E27FC236}">
-                <a16:creationId xmlns:a16="http://schemas.microsoft.com/office/drawing/2014/main" id="{9636E9CA-1C91-4F42-D2B3-41CFE7289445}"/>
+                <a16:creationId xmlns:a16="http://schemas.microsoft.com/office/drawing/2014/main" id="{7125B17F-38B0-2EFD-CA60-724C01DF9D58}"/>
               </a:ext>
             </a:extLst>
           </p:cNvPr>
@@ -2645,7 +2645,7 @@
           <p:cNvPr id="5" name="日期占位符 4">
             <a:extLst>
               <a:ext uri="{FF2B5EF4-FFF2-40B4-BE49-F238E27FC236}">
-                <a16:creationId xmlns:a16="http://schemas.microsoft.com/office/drawing/2014/main" id="{89B0A71C-E5B2-00BE-2D96-06BC9483187D}"/>
+                <a16:creationId xmlns:a16="http://schemas.microsoft.com/office/drawing/2014/main" id="{832D56AB-3E78-FC50-5B37-0B05FE95E558}"/>
               </a:ext>
             </a:extLst>
           </p:cNvPr>
@@ -2661,7 +2661,7 @@
           <a:bodyPr/>
           <a:lstStyle/>
           <a:p>
-            <a:fld id="{E8CD88C4-AB48-44E2-8D8C-037C9E6CA26B}" type="datetimeFigureOut">
+            <a:fld id="{FE145BEA-6D50-4E75-ADF8-E30791263D20}" type="datetimeFigureOut">
               <a:rPr lang="zh-CN" altLang="en-US" smtClean="0"/>
               <a:t>2024/3/10</a:t>
             </a:fld>
@@ -2674,7 +2674,7 @@
           <p:cNvPr id="6" name="页脚占位符 5">
             <a:extLst>
               <a:ext uri="{FF2B5EF4-FFF2-40B4-BE49-F238E27FC236}">
-                <a16:creationId xmlns:a16="http://schemas.microsoft.com/office/drawing/2014/main" id="{B565C331-22BE-7513-AFA8-607624357C8A}"/>
+                <a16:creationId xmlns:a16="http://schemas.microsoft.com/office/drawing/2014/main" id="{5343A4E4-A926-5281-583C-41D0E7043ECE}"/>
               </a:ext>
             </a:extLst>
           </p:cNvPr>
@@ -2699,7 +2699,7 @@
           <p:cNvPr id="7" name="灯片编号占位符 6">
             <a:extLst>
               <a:ext uri="{FF2B5EF4-FFF2-40B4-BE49-F238E27FC236}">
-                <a16:creationId xmlns:a16="http://schemas.microsoft.com/office/drawing/2014/main" id="{9F53BD72-5C8B-DA8A-E4DF-B8923DAA79BE}"/>
+                <a16:creationId xmlns:a16="http://schemas.microsoft.com/office/drawing/2014/main" id="{BD4AFB1A-3431-A889-E9F5-989EC3E6D821}"/>
               </a:ext>
             </a:extLst>
           </p:cNvPr>
@@ -2715,7 +2715,7 @@
           <a:bodyPr/>
           <a:lstStyle/>
           <a:p>
-            <a:fld id="{C9210D1C-8CF4-4BEA-BCAC-B48428091B9A}" type="slidenum">
+            <a:fld id="{788E1C16-20F9-41BE-BA53-E2805D2E83A9}" type="slidenum">
               <a:rPr lang="zh-CN" altLang="en-US" smtClean="0"/>
               <a:t>‹#›</a:t>
             </a:fld>
@@ -2726,7 +2726,7 @@
     </p:spTree>
     <p:extLst>
       <p:ext uri="{BB962C8B-B14F-4D97-AF65-F5344CB8AC3E}">
-        <p14:creationId xmlns:p14="http://schemas.microsoft.com/office/powerpoint/2010/main" val="1850917073"/>
+        <p14:creationId xmlns:p14="http://schemas.microsoft.com/office/powerpoint/2010/main" val="2636396063"/>
       </p:ext>
     </p:extLst>
   </p:cSld>
@@ -2763,7 +2763,7 @@
           <p:cNvPr id="2" name="标题占位符 1">
             <a:extLst>
               <a:ext uri="{FF2B5EF4-FFF2-40B4-BE49-F238E27FC236}">
-                <a16:creationId xmlns:a16="http://schemas.microsoft.com/office/drawing/2014/main" id="{004FB332-123C-B47F-ACAF-36DB502995A2}"/>
+                <a16:creationId xmlns:a16="http://schemas.microsoft.com/office/drawing/2014/main" id="{A04BF52D-D5FE-5A8B-6519-425882F89CE1}"/>
               </a:ext>
             </a:extLst>
           </p:cNvPr>
@@ -2801,7 +2801,7 @@
           <p:cNvPr id="3" name="文本占位符 2">
             <a:extLst>
               <a:ext uri="{FF2B5EF4-FFF2-40B4-BE49-F238E27FC236}">
-                <a16:creationId xmlns:a16="http://schemas.microsoft.com/office/drawing/2014/main" id="{9EC8CB20-CC05-2C3E-20E9-E7DD04B646F7}"/>
+                <a16:creationId xmlns:a16="http://schemas.microsoft.com/office/drawing/2014/main" id="{75C0BA5D-A4E5-5DB7-79C3-D465563967A9}"/>
               </a:ext>
             </a:extLst>
           </p:cNvPr>
@@ -2868,7 +2868,7 @@
           <p:cNvPr id="4" name="日期占位符 3">
             <a:extLst>
               <a:ext uri="{FF2B5EF4-FFF2-40B4-BE49-F238E27FC236}">
-                <a16:creationId xmlns:a16="http://schemas.microsoft.com/office/drawing/2014/main" id="{98A45379-884C-5F68-09FD-0C28948303E8}"/>
+                <a16:creationId xmlns:a16="http://schemas.microsoft.com/office/drawing/2014/main" id="{0288EA23-7DC0-893D-AC89-35A496065397}"/>
               </a:ext>
             </a:extLst>
           </p:cNvPr>
@@ -2902,7 +2902,7 @@
             </a:lvl1pPr>
           </a:lstStyle>
           <a:p>
-            <a:fld id="{E8CD88C4-AB48-44E2-8D8C-037C9E6CA26B}" type="datetimeFigureOut">
+            <a:fld id="{FE145BEA-6D50-4E75-ADF8-E30791263D20}" type="datetimeFigureOut">
               <a:rPr lang="zh-CN" altLang="en-US" smtClean="0"/>
               <a:t>2024/3/10</a:t>
             </a:fld>
@@ -2915,7 +2915,7 @@
           <p:cNvPr id="5" name="页脚占位符 4">
             <a:extLst>
               <a:ext uri="{FF2B5EF4-FFF2-40B4-BE49-F238E27FC236}">
-                <a16:creationId xmlns:a16="http://schemas.microsoft.com/office/drawing/2014/main" id="{607D66BD-06DF-CA13-C294-BA79C672971B}"/>
+                <a16:creationId xmlns:a16="http://schemas.microsoft.com/office/drawing/2014/main" id="{5C6428CE-62C8-CC55-6877-3B1918E346FF}"/>
               </a:ext>
             </a:extLst>
           </p:cNvPr>
@@ -2958,7 +2958,7 @@
           <p:cNvPr id="6" name="灯片编号占位符 5">
             <a:extLst>
               <a:ext uri="{FF2B5EF4-FFF2-40B4-BE49-F238E27FC236}">
-                <a16:creationId xmlns:a16="http://schemas.microsoft.com/office/drawing/2014/main" id="{9DF51D49-AAAB-FE6B-D8AA-E6DB16C25290}"/>
+                <a16:creationId xmlns:a16="http://schemas.microsoft.com/office/drawing/2014/main" id="{789F1A92-B0D6-2EDB-DCDE-652A72EF5BB4}"/>
               </a:ext>
             </a:extLst>
           </p:cNvPr>
@@ -2992,7 +2992,7 @@
             </a:lvl1pPr>
           </a:lstStyle>
           <a:p>
-            <a:fld id="{C9210D1C-8CF4-4BEA-BCAC-B48428091B9A}" type="slidenum">
+            <a:fld id="{788E1C16-20F9-41BE-BA53-E2805D2E83A9}" type="slidenum">
               <a:rPr lang="zh-CN" altLang="en-US" smtClean="0"/>
               <a:t>‹#›</a:t>
             </a:fld>
@@ -3003,7 +3003,7 @@
     </p:spTree>
     <p:extLst>
       <p:ext uri="{BB962C8B-B14F-4D97-AF65-F5344CB8AC3E}">
-        <p14:creationId xmlns:p14="http://schemas.microsoft.com/office/powerpoint/2010/main" val="484371089"/>
+        <p14:creationId xmlns:p14="http://schemas.microsoft.com/office/powerpoint/2010/main" val="728479850"/>
       </p:ext>
     </p:extLst>
   </p:cSld>
